--- a/Topic4.Pipelined CPU resolving control hazard.pptx
+++ b/Topic4.Pipelined CPU resolving control hazard.pptx
@@ -269,7 +269,7 @@
           <a:p>
             <a:fld id="{21FA232E-0D23-E744-A2E7-48CC2B10A8E9}" type="datetimeFigureOut">
               <a:rPr kumimoji="1" lang="zh-CN" altLang="en-US" smtClean="0"/>
-              <a:t>2018/11/6</a:t>
+              <a:t>2020-11-24</a:t>
             </a:fld>
             <a:endParaRPr kumimoji="1" lang="zh-CN" altLang="en-US"/>
           </a:p>
@@ -536,6 +536,325 @@
 </p:notesMaster>
 </file>
 
+<file path=ppt/notesSlides/notesSlide1.xml><?xml version="1.0" encoding="utf-8"?>
+<p:notes xmlns:a="http://schemas.openxmlformats.org/drawingml/2006/main" xmlns:r="http://schemas.openxmlformats.org/officeDocument/2006/relationships" xmlns:p="http://schemas.openxmlformats.org/presentationml/2006/main">
+  <p:cSld>
+    <p:spTree>
+      <p:nvGrpSpPr>
+        <p:cNvPr id="1" name=""/>
+        <p:cNvGrpSpPr/>
+        <p:nvPr/>
+      </p:nvGrpSpPr>
+      <p:grpSpPr>
+        <a:xfrm>
+          <a:off x="0" y="0"/>
+          <a:ext cx="0" cy="0"/>
+          <a:chOff x="0" y="0"/>
+          <a:chExt cx="0" cy="0"/>
+        </a:xfrm>
+      </p:grpSpPr>
+      <p:sp>
+        <p:nvSpPr>
+          <p:cNvPr id="2" name="幻灯片图像占位符 1"/>
+          <p:cNvSpPr>
+            <a:spLocks noGrp="1" noRot="1" noChangeAspect="1"/>
+          </p:cNvSpPr>
+          <p:nvPr>
+            <p:ph type="sldImg"/>
+          </p:nvPr>
+        </p:nvSpPr>
+        <p:spPr/>
+      </p:sp>
+      <p:sp>
+        <p:nvSpPr>
+          <p:cNvPr id="3" name="备注占位符 2"/>
+          <p:cNvSpPr>
+            <a:spLocks noGrp="1"/>
+          </p:cNvSpPr>
+          <p:nvPr>
+            <p:ph type="body" idx="1"/>
+          </p:nvPr>
+        </p:nvSpPr>
+        <p:spPr/>
+        <p:txBody>
+          <a:bodyPr/>
+          <a:lstStyle/>
+          <a:p>
+            <a:r>
+              <a:rPr lang="en-US" altLang="zh-CN" dirty="0"/>
+              <a:t>2</a:t>
+            </a:r>
+            <a:r>
+              <a:rPr lang="zh-CN" altLang="en-US" dirty="0"/>
+              <a:t>：</a:t>
+            </a:r>
+            <a:r>
+              <a:rPr lang="en-US" altLang="zh-CN" dirty="0" err="1"/>
+              <a:t>bne</a:t>
+            </a:r>
+            <a:r>
+              <a:rPr lang="zh-CN" altLang="en-US" dirty="0"/>
+              <a:t>，</a:t>
+            </a:r>
+            <a:r>
+              <a:rPr lang="en-US" altLang="zh-CN" dirty="0" err="1"/>
+              <a:t>beq</a:t>
+            </a:r>
+            <a:r>
+              <a:rPr lang="zh-CN" altLang="en-US" dirty="0"/>
+              <a:t>；</a:t>
+            </a:r>
+            <a:r>
+              <a:rPr lang="en-US" altLang="zh-CN" dirty="0"/>
+              <a:t>0</a:t>
+            </a:r>
+            <a:r>
+              <a:rPr lang="zh-CN" altLang="en-US" dirty="0"/>
+              <a:t>：</a:t>
+            </a:r>
+            <a:r>
+              <a:rPr lang="en-US" altLang="zh-CN" dirty="0" err="1"/>
+              <a:t>jr</a:t>
+            </a:r>
+            <a:r>
+              <a:rPr lang="zh-CN" altLang="en-US" dirty="0"/>
+              <a:t>；</a:t>
+            </a:r>
+            <a:r>
+              <a:rPr lang="en-US" altLang="zh-CN" dirty="0"/>
+              <a:t>1</a:t>
+            </a:r>
+            <a:r>
+              <a:rPr lang="zh-CN" altLang="en-US" dirty="0"/>
+              <a:t>：</a:t>
+            </a:r>
+            <a:r>
+              <a:rPr lang="en-US" altLang="zh-CN" dirty="0"/>
+              <a:t>jump</a:t>
+            </a:r>
+            <a:endParaRPr lang="zh-CN" altLang="en-US" dirty="0"/>
+          </a:p>
+        </p:txBody>
+      </p:sp>
+      <p:sp>
+        <p:nvSpPr>
+          <p:cNvPr id="4" name="灯片编号占位符 3"/>
+          <p:cNvSpPr>
+            <a:spLocks noGrp="1"/>
+          </p:cNvSpPr>
+          <p:nvPr>
+            <p:ph type="sldNum" sz="quarter" idx="5"/>
+          </p:nvPr>
+        </p:nvSpPr>
+        <p:spPr/>
+        <p:txBody>
+          <a:bodyPr/>
+          <a:lstStyle/>
+          <a:p>
+            <a:fld id="{F9B3A588-43E9-AC44-AC90-AB7B6B5540F3}" type="slidenum">
+              <a:rPr kumimoji="1" lang="zh-CN" altLang="en-US" smtClean="0"/>
+              <a:t>14</a:t>
+            </a:fld>
+            <a:endParaRPr kumimoji="1" lang="zh-CN" altLang="en-US"/>
+          </a:p>
+        </p:txBody>
+      </p:sp>
+    </p:spTree>
+    <p:extLst>
+      <p:ext uri="{BB962C8B-B14F-4D97-AF65-F5344CB8AC3E}">
+        <p14:creationId xmlns:p14="http://schemas.microsoft.com/office/powerpoint/2010/main" val="3088443047"/>
+      </p:ext>
+    </p:extLst>
+  </p:cSld>
+  <p:clrMapOvr>
+    <a:masterClrMapping/>
+  </p:clrMapOvr>
+</p:notes>
+</file>
+
+<file path=ppt/notesSlides/notesSlide2.xml><?xml version="1.0" encoding="utf-8"?>
+<p:notes xmlns:a="http://schemas.openxmlformats.org/drawingml/2006/main" xmlns:r="http://schemas.openxmlformats.org/officeDocument/2006/relationships" xmlns:p="http://schemas.openxmlformats.org/presentationml/2006/main">
+  <p:cSld>
+    <p:spTree>
+      <p:nvGrpSpPr>
+        <p:cNvPr id="1" name=""/>
+        <p:cNvGrpSpPr/>
+        <p:nvPr/>
+      </p:nvGrpSpPr>
+      <p:grpSpPr>
+        <a:xfrm>
+          <a:off x="0" y="0"/>
+          <a:ext cx="0" cy="0"/>
+          <a:chOff x="0" y="0"/>
+          <a:chExt cx="0" cy="0"/>
+        </a:xfrm>
+      </p:grpSpPr>
+      <p:sp>
+        <p:nvSpPr>
+          <p:cNvPr id="2" name="幻灯片图像占位符 1"/>
+          <p:cNvSpPr>
+            <a:spLocks noGrp="1" noRot="1" noChangeAspect="1"/>
+          </p:cNvSpPr>
+          <p:nvPr>
+            <p:ph type="sldImg"/>
+          </p:nvPr>
+        </p:nvSpPr>
+        <p:spPr/>
+      </p:sp>
+      <p:sp>
+        <p:nvSpPr>
+          <p:cNvPr id="3" name="备注占位符 2"/>
+          <p:cNvSpPr>
+            <a:spLocks noGrp="1"/>
+          </p:cNvSpPr>
+          <p:nvPr>
+            <p:ph type="body" idx="1"/>
+          </p:nvPr>
+        </p:nvSpPr>
+        <p:spPr/>
+        <p:txBody>
+          <a:bodyPr/>
+          <a:lstStyle/>
+          <a:p>
+            <a:r>
+              <a:rPr lang="zh-CN" altLang="en-US" dirty="0"/>
+              <a:t>推断：</a:t>
+            </a:r>
+            <a:r>
+              <a:rPr lang="en-US" altLang="zh-CN" dirty="0"/>
+              <a:t>2</a:t>
+            </a:r>
+            <a:r>
+              <a:rPr lang="zh-CN" altLang="en-US" dirty="0"/>
+              <a:t>：</a:t>
+            </a:r>
+            <a:r>
+              <a:rPr lang="en-US" altLang="zh-CN" dirty="0"/>
+              <a:t>jump</a:t>
+            </a:r>
+            <a:r>
+              <a:rPr lang="zh-CN" altLang="en-US" dirty="0"/>
+              <a:t>；</a:t>
+            </a:r>
+            <a:r>
+              <a:rPr lang="en-US" altLang="zh-CN" dirty="0"/>
+              <a:t>0</a:t>
+            </a:r>
+            <a:r>
+              <a:rPr lang="zh-CN" altLang="en-US" dirty="0"/>
+              <a:t>：</a:t>
+            </a:r>
+            <a:r>
+              <a:rPr lang="en-US" altLang="zh-CN" dirty="0"/>
+              <a:t>next</a:t>
+            </a:r>
+            <a:r>
+              <a:rPr lang="zh-CN" altLang="en-US" dirty="0"/>
+              <a:t>；</a:t>
+            </a:r>
+            <a:r>
+              <a:rPr lang="en-US" altLang="zh-CN" dirty="0"/>
+              <a:t>1</a:t>
+            </a:r>
+            <a:r>
+              <a:rPr lang="zh-CN" altLang="en-US" dirty="0"/>
+              <a:t>：</a:t>
+            </a:r>
+            <a:r>
+              <a:rPr lang="en-US" altLang="zh-CN" dirty="0" err="1"/>
+              <a:t>jr</a:t>
+            </a:r>
+            <a:r>
+              <a:rPr lang="zh-CN" altLang="en-US" dirty="0"/>
+              <a:t>；</a:t>
+            </a:r>
+            <a:r>
+              <a:rPr lang="en-US" altLang="zh-CN" dirty="0"/>
+              <a:t>3</a:t>
+            </a:r>
+            <a:r>
+              <a:rPr lang="zh-CN" altLang="en-US" dirty="0"/>
+              <a:t>：</a:t>
+            </a:r>
+            <a:r>
+              <a:rPr lang="en-US" altLang="zh-CN" dirty="0"/>
+              <a:t>branch</a:t>
+            </a:r>
+            <a:r>
+              <a:rPr lang="zh-CN" altLang="en-US" dirty="0"/>
+              <a:t>（</a:t>
+            </a:r>
+            <a:r>
+              <a:rPr lang="en-US" altLang="zh-CN" dirty="0"/>
+              <a:t>16</a:t>
+            </a:r>
+            <a:r>
+              <a:rPr lang="zh-CN" altLang="en-US" dirty="0"/>
+              <a:t>位</a:t>
+            </a:r>
+            <a:r>
+              <a:rPr lang="en-US" altLang="zh-CN" dirty="0" err="1"/>
+              <a:t>imm</a:t>
+            </a:r>
+            <a:r>
+              <a:rPr lang="zh-CN" altLang="en-US" dirty="0"/>
+              <a:t>左移</a:t>
+            </a:r>
+            <a:r>
+              <a:rPr lang="en-US" altLang="zh-CN" dirty="0"/>
+              <a:t>+</a:t>
+            </a:r>
+            <a:r>
+              <a:rPr lang="en-US" altLang="zh-CN" dirty="0" err="1"/>
+              <a:t>addr_next</a:t>
+            </a:r>
+            <a:r>
+              <a:rPr lang="zh-CN" altLang="en-US" dirty="0"/>
+              <a:t>）</a:t>
+            </a:r>
+            <a:endParaRPr lang="en-US" altLang="zh-CN" dirty="0"/>
+          </a:p>
+          <a:p>
+            <a:endParaRPr lang="zh-CN" altLang="en-US" dirty="0"/>
+          </a:p>
+        </p:txBody>
+      </p:sp>
+      <p:sp>
+        <p:nvSpPr>
+          <p:cNvPr id="4" name="灯片编号占位符 3"/>
+          <p:cNvSpPr>
+            <a:spLocks noGrp="1"/>
+          </p:cNvSpPr>
+          <p:nvPr>
+            <p:ph type="sldNum" sz="quarter" idx="5"/>
+          </p:nvPr>
+        </p:nvSpPr>
+        <p:spPr/>
+        <p:txBody>
+          <a:bodyPr/>
+          <a:lstStyle/>
+          <a:p>
+            <a:fld id="{F9B3A588-43E9-AC44-AC90-AB7B6B5540F3}" type="slidenum">
+              <a:rPr kumimoji="1" lang="zh-CN" altLang="en-US" smtClean="0"/>
+              <a:t>15</a:t>
+            </a:fld>
+            <a:endParaRPr kumimoji="1" lang="zh-CN" altLang="en-US"/>
+          </a:p>
+        </p:txBody>
+      </p:sp>
+    </p:spTree>
+    <p:extLst>
+      <p:ext uri="{BB962C8B-B14F-4D97-AF65-F5344CB8AC3E}">
+        <p14:creationId xmlns:p14="http://schemas.microsoft.com/office/powerpoint/2010/main" val="783469238"/>
+      </p:ext>
+    </p:extLst>
+  </p:cSld>
+  <p:clrMapOvr>
+    <a:masterClrMapping/>
+  </p:clrMapOvr>
+</p:notes>
+</file>
+
 <file path=ppt/slideLayouts/slideLayout1.xml><?xml version="1.0" encoding="utf-8"?>
 <p:sldLayout xmlns:a="http://schemas.openxmlformats.org/drawingml/2006/main" xmlns:r="http://schemas.openxmlformats.org/officeDocument/2006/relationships" xmlns:p="http://schemas.openxmlformats.org/presentationml/2006/main" type="title" preserve="1">
   <p:cSld name="标题幻灯片">
@@ -715,7 +1034,7 @@
           <a:p>
             <a:fld id="{EF50BAF8-1120-4869-B1EC-9D010EF77D65}" type="datetimeFigureOut">
               <a:rPr lang="zh-CN" altLang="en-US" smtClean="0"/>
-              <a:t>2018/11/6</a:t>
+              <a:t>2020-11-24</a:t>
             </a:fld>
             <a:endParaRPr lang="zh-CN" altLang="en-US"/>
           </a:p>
@@ -883,7 +1202,7 @@
           <a:p>
             <a:fld id="{EF50BAF8-1120-4869-B1EC-9D010EF77D65}" type="datetimeFigureOut">
               <a:rPr lang="zh-CN" altLang="en-US" smtClean="0"/>
-              <a:t>2018/11/6</a:t>
+              <a:t>2020-11-24</a:t>
             </a:fld>
             <a:endParaRPr lang="zh-CN" altLang="en-US"/>
           </a:p>
@@ -1061,7 +1380,7 @@
           <a:p>
             <a:fld id="{EF50BAF8-1120-4869-B1EC-9D010EF77D65}" type="datetimeFigureOut">
               <a:rPr lang="zh-CN" altLang="en-US" smtClean="0"/>
-              <a:t>2018/11/6</a:t>
+              <a:t>2020-11-24</a:t>
             </a:fld>
             <a:endParaRPr lang="zh-CN" altLang="en-US"/>
           </a:p>
@@ -1358,7 +1677,7 @@
           <a:p>
             <a:fld id="{530820CF-B880-4189-942D-D702A7CBA730}" type="datetimeFigureOut">
               <a:rPr lang="zh-CN" altLang="en-US" smtClean="0"/>
-              <a:t>2018/11/6</a:t>
+              <a:t>2020-11-24</a:t>
             </a:fld>
             <a:endParaRPr lang="zh-CN" altLang="en-US"/>
           </a:p>
@@ -1780,7 +2099,7 @@
           <a:p>
             <a:fld id="{530820CF-B880-4189-942D-D702A7CBA730}" type="datetimeFigureOut">
               <a:rPr lang="zh-CN" altLang="en-US" smtClean="0"/>
-              <a:t>2018/11/6</a:t>
+              <a:t>2020-11-24</a:t>
             </a:fld>
             <a:endParaRPr lang="zh-CN" altLang="en-US"/>
           </a:p>
@@ -2035,7 +2354,7 @@
           <a:p>
             <a:fld id="{530820CF-B880-4189-942D-D702A7CBA730}" type="datetimeFigureOut">
               <a:rPr lang="zh-CN" altLang="en-US" smtClean="0"/>
-              <a:t>2018/11/6</a:t>
+              <a:t>2020-11-24</a:t>
             </a:fld>
             <a:endParaRPr lang="zh-CN" altLang="en-US"/>
           </a:p>
@@ -2233,7 +2552,7 @@
           <a:p>
             <a:fld id="{530820CF-B880-4189-942D-D702A7CBA730}" type="datetimeFigureOut">
               <a:rPr lang="zh-CN" altLang="en-US" smtClean="0"/>
-              <a:t>2018/11/6</a:t>
+              <a:t>2020-11-24</a:t>
             </a:fld>
             <a:endParaRPr lang="zh-CN" altLang="en-US"/>
           </a:p>
@@ -2513,7 +2832,7 @@
           <a:p>
             <a:fld id="{530820CF-B880-4189-942D-D702A7CBA730}" type="datetimeFigureOut">
               <a:rPr lang="zh-CN" altLang="en-US" smtClean="0"/>
-              <a:t>2018/11/6</a:t>
+              <a:t>2020-11-24</a:t>
             </a:fld>
             <a:endParaRPr lang="zh-CN" altLang="en-US"/>
           </a:p>
@@ -2927,7 +3246,7 @@
           <a:p>
             <a:fld id="{530820CF-B880-4189-942D-D702A7CBA730}" type="datetimeFigureOut">
               <a:rPr lang="zh-CN" altLang="en-US" smtClean="0"/>
-              <a:t>2018/11/6</a:t>
+              <a:t>2020-11-24</a:t>
             </a:fld>
             <a:endParaRPr lang="zh-CN" altLang="en-US"/>
           </a:p>
@@ -3039,7 +3358,7 @@
           <a:p>
             <a:fld id="{530820CF-B880-4189-942D-D702A7CBA730}" type="datetimeFigureOut">
               <a:rPr lang="zh-CN" altLang="en-US" smtClean="0"/>
-              <a:t>2018/11/6</a:t>
+              <a:t>2020-11-24</a:t>
             </a:fld>
             <a:endParaRPr lang="zh-CN" altLang="en-US"/>
           </a:p>
@@ -3129,7 +3448,7 @@
           <a:p>
             <a:fld id="{530820CF-B880-4189-942D-D702A7CBA730}" type="datetimeFigureOut">
               <a:rPr lang="zh-CN" altLang="en-US" smtClean="0"/>
-              <a:t>2018/11/6</a:t>
+              <a:t>2020-11-24</a:t>
             </a:fld>
             <a:endParaRPr lang="zh-CN" altLang="en-US"/>
           </a:p>
@@ -3296,7 +3615,7 @@
           <a:p>
             <a:fld id="{EF50BAF8-1120-4869-B1EC-9D010EF77D65}" type="datetimeFigureOut">
               <a:rPr lang="zh-CN" altLang="en-US" smtClean="0"/>
-              <a:t>2018/11/6</a:t>
+              <a:t>2020-11-24</a:t>
             </a:fld>
             <a:endParaRPr lang="zh-CN" altLang="en-US"/>
           </a:p>
@@ -3571,7 +3890,7 @@
           <a:p>
             <a:fld id="{530820CF-B880-4189-942D-D702A7CBA730}" type="datetimeFigureOut">
               <a:rPr lang="zh-CN" altLang="en-US" smtClean="0"/>
-              <a:t>2018/11/6</a:t>
+              <a:t>2020-11-24</a:t>
             </a:fld>
             <a:endParaRPr lang="zh-CN" altLang="en-US"/>
           </a:p>
@@ -3821,7 +4140,7 @@
           <a:p>
             <a:fld id="{530820CF-B880-4189-942D-D702A7CBA730}" type="datetimeFigureOut">
               <a:rPr lang="zh-CN" altLang="en-US" smtClean="0"/>
-              <a:t>2018/11/6</a:t>
+              <a:t>2020-11-24</a:t>
             </a:fld>
             <a:endParaRPr lang="zh-CN" altLang="en-US"/>
           </a:p>
@@ -3984,7 +4303,7 @@
           <a:p>
             <a:fld id="{530820CF-B880-4189-942D-D702A7CBA730}" type="datetimeFigureOut">
               <a:rPr lang="zh-CN" altLang="en-US" smtClean="0"/>
-              <a:t>2018/11/6</a:t>
+              <a:t>2020-11-24</a:t>
             </a:fld>
             <a:endParaRPr lang="zh-CN" altLang="en-US"/>
           </a:p>
@@ -4157,7 +4476,7 @@
           <a:p>
             <a:fld id="{530820CF-B880-4189-942D-D702A7CBA730}" type="datetimeFigureOut">
               <a:rPr lang="zh-CN" altLang="en-US" smtClean="0"/>
-              <a:t>2018/11/6</a:t>
+              <a:t>2020-11-24</a:t>
             </a:fld>
             <a:endParaRPr lang="zh-CN" altLang="en-US"/>
           </a:p>
@@ -4565,7 +4884,7 @@
           <a:p>
             <a:fld id="{EF50BAF8-1120-4869-B1EC-9D010EF77D65}" type="datetimeFigureOut">
               <a:rPr lang="zh-CN" altLang="en-US" smtClean="0"/>
-              <a:t>2018/11/6</a:t>
+              <a:t>2020-11-24</a:t>
             </a:fld>
             <a:endParaRPr lang="zh-CN" altLang="en-US"/>
           </a:p>
@@ -4737,7 +5056,7 @@
           <a:p>
             <a:fld id="{EF50BAF8-1120-4869-B1EC-9D010EF77D65}" type="datetimeFigureOut">
               <a:rPr lang="zh-CN" altLang="en-US" smtClean="0"/>
-              <a:t>2018/11/6</a:t>
+              <a:t>2020-11-24</a:t>
             </a:fld>
             <a:endParaRPr lang="zh-CN" altLang="en-US"/>
           </a:p>
@@ -4982,7 +5301,7 @@
           <a:p>
             <a:fld id="{EF50BAF8-1120-4869-B1EC-9D010EF77D65}" type="datetimeFigureOut">
               <a:rPr lang="zh-CN" altLang="en-US" smtClean="0"/>
-              <a:t>2018/11/6</a:t>
+              <a:t>2020-11-24</a:t>
             </a:fld>
             <a:endParaRPr lang="zh-CN" altLang="en-US"/>
           </a:p>
@@ -5267,7 +5586,7 @@
           <a:p>
             <a:fld id="{EF50BAF8-1120-4869-B1EC-9D010EF77D65}" type="datetimeFigureOut">
               <a:rPr lang="zh-CN" altLang="en-US" smtClean="0"/>
-              <a:t>2018/11/6</a:t>
+              <a:t>2020-11-24</a:t>
             </a:fld>
             <a:endParaRPr lang="zh-CN" altLang="en-US"/>
           </a:p>
@@ -5686,7 +6005,7 @@
           <a:p>
             <a:fld id="{EF50BAF8-1120-4869-B1EC-9D010EF77D65}" type="datetimeFigureOut">
               <a:rPr lang="zh-CN" altLang="en-US" smtClean="0"/>
-              <a:t>2018/11/6</a:t>
+              <a:t>2020-11-24</a:t>
             </a:fld>
             <a:endParaRPr lang="zh-CN" altLang="en-US"/>
           </a:p>
@@ -5931,7 +6250,7 @@
           <a:p>
             <a:fld id="{EF50BAF8-1120-4869-B1EC-9D010EF77D65}" type="datetimeFigureOut">
               <a:rPr lang="zh-CN" altLang="en-US" smtClean="0"/>
-              <a:t>2018/11/6</a:t>
+              <a:t>2020-11-24</a:t>
             </a:fld>
             <a:endParaRPr lang="zh-CN" altLang="en-US"/>
           </a:p>
@@ -6048,7 +6367,7 @@
           <a:p>
             <a:fld id="{EF50BAF8-1120-4869-B1EC-9D010EF77D65}" type="datetimeFigureOut">
               <a:rPr lang="zh-CN" altLang="en-US" smtClean="0"/>
-              <a:t>2018/11/6</a:t>
+              <a:t>2020-11-24</a:t>
             </a:fld>
             <a:endParaRPr lang="zh-CN" altLang="en-US"/>
           </a:p>
@@ -6143,7 +6462,7 @@
           <a:p>
             <a:fld id="{EF50BAF8-1120-4869-B1EC-9D010EF77D65}" type="datetimeFigureOut">
               <a:rPr lang="zh-CN" altLang="en-US" smtClean="0"/>
-              <a:t>2018/11/6</a:t>
+              <a:t>2020-11-24</a:t>
             </a:fld>
             <a:endParaRPr lang="zh-CN" altLang="en-US"/>
           </a:p>
@@ -6418,7 +6737,7 @@
           <a:p>
             <a:fld id="{EF50BAF8-1120-4869-B1EC-9D010EF77D65}" type="datetimeFigureOut">
               <a:rPr lang="zh-CN" altLang="en-US" smtClean="0"/>
-              <a:t>2018/11/6</a:t>
+              <a:t>2020-11-24</a:t>
             </a:fld>
             <a:endParaRPr lang="zh-CN" altLang="en-US"/>
           </a:p>
@@ -6673,7 +6992,7 @@
           <a:p>
             <a:fld id="{EF50BAF8-1120-4869-B1EC-9D010EF77D65}" type="datetimeFigureOut">
               <a:rPr lang="zh-CN" altLang="en-US" smtClean="0"/>
-              <a:t>2018/11/6</a:t>
+              <a:t>2020-11-24</a:t>
             </a:fld>
             <a:endParaRPr lang="zh-CN" altLang="en-US"/>
           </a:p>
@@ -6841,7 +7160,7 @@
           <a:p>
             <a:fld id="{EF50BAF8-1120-4869-B1EC-9D010EF77D65}" type="datetimeFigureOut">
               <a:rPr lang="zh-CN" altLang="en-US" smtClean="0"/>
-              <a:t>2018/11/6</a:t>
+              <a:t>2020-11-24</a:t>
             </a:fld>
             <a:endParaRPr lang="zh-CN" altLang="en-US"/>
           </a:p>
@@ -7019,7 +7338,7 @@
           <a:p>
             <a:fld id="{EF50BAF8-1120-4869-B1EC-9D010EF77D65}" type="datetimeFigureOut">
               <a:rPr lang="zh-CN" altLang="en-US" smtClean="0"/>
-              <a:t>2018/11/6</a:t>
+              <a:t>2020-11-24</a:t>
             </a:fld>
             <a:endParaRPr lang="zh-CN" altLang="en-US"/>
           </a:p>
@@ -7304,7 +7623,7 @@
           <a:p>
             <a:fld id="{EF50BAF8-1120-4869-B1EC-9D010EF77D65}" type="datetimeFigureOut">
               <a:rPr lang="zh-CN" altLang="en-US" smtClean="0"/>
-              <a:t>2018/11/6</a:t>
+              <a:t>2020-11-24</a:t>
             </a:fld>
             <a:endParaRPr lang="zh-CN" altLang="en-US"/>
           </a:p>
@@ -7723,7 +8042,7 @@
           <a:p>
             <a:fld id="{EF50BAF8-1120-4869-B1EC-9D010EF77D65}" type="datetimeFigureOut">
               <a:rPr lang="zh-CN" altLang="en-US" smtClean="0"/>
-              <a:t>2018/11/6</a:t>
+              <a:t>2020-11-24</a:t>
             </a:fld>
             <a:endParaRPr lang="zh-CN" altLang="en-US"/>
           </a:p>
@@ -7840,7 +8159,7 @@
           <a:p>
             <a:fld id="{EF50BAF8-1120-4869-B1EC-9D010EF77D65}" type="datetimeFigureOut">
               <a:rPr lang="zh-CN" altLang="en-US" smtClean="0"/>
-              <a:t>2018/11/6</a:t>
+              <a:t>2020-11-24</a:t>
             </a:fld>
             <a:endParaRPr lang="zh-CN" altLang="en-US"/>
           </a:p>
@@ -7935,7 +8254,7 @@
           <a:p>
             <a:fld id="{EF50BAF8-1120-4869-B1EC-9D010EF77D65}" type="datetimeFigureOut">
               <a:rPr lang="zh-CN" altLang="en-US" smtClean="0"/>
-              <a:t>2018/11/6</a:t>
+              <a:t>2020-11-24</a:t>
             </a:fld>
             <a:endParaRPr lang="zh-CN" altLang="en-US"/>
           </a:p>
@@ -8210,7 +8529,7 @@
           <a:p>
             <a:fld id="{EF50BAF8-1120-4869-B1EC-9D010EF77D65}" type="datetimeFigureOut">
               <a:rPr lang="zh-CN" altLang="en-US" smtClean="0"/>
-              <a:t>2018/11/6</a:t>
+              <a:t>2020-11-24</a:t>
             </a:fld>
             <a:endParaRPr lang="zh-CN" altLang="en-US"/>
           </a:p>
@@ -8462,7 +8781,7 @@
           <a:p>
             <a:fld id="{EF50BAF8-1120-4869-B1EC-9D010EF77D65}" type="datetimeFigureOut">
               <a:rPr lang="zh-CN" altLang="en-US" smtClean="0"/>
-              <a:t>2018/11/6</a:t>
+              <a:t>2020-11-24</a:t>
             </a:fld>
             <a:endParaRPr lang="zh-CN" altLang="en-US"/>
           </a:p>
@@ -8719,7 +9038,7 @@
           <a:p>
             <a:fld id="{EF50BAF8-1120-4869-B1EC-9D010EF77D65}" type="datetimeFigureOut">
               <a:rPr lang="zh-CN" altLang="en-US" smtClean="0"/>
-              <a:t>2018/11/6</a:t>
+              <a:t>2020-11-24</a:t>
             </a:fld>
             <a:endParaRPr lang="zh-CN" altLang="en-US"/>
           </a:p>
@@ -9238,7 +9557,7 @@
           <a:p>
             <a:fld id="{530820CF-B880-4189-942D-D702A7CBA730}" type="datetimeFigureOut">
               <a:rPr lang="zh-CN" altLang="en-US" smtClean="0"/>
-              <a:t>2018/11/6</a:t>
+              <a:t>2020-11-24</a:t>
             </a:fld>
             <a:endParaRPr lang="zh-CN" altLang="en-US"/>
           </a:p>
@@ -9780,7 +10099,7 @@
           <a:p>
             <a:fld id="{EF50BAF8-1120-4869-B1EC-9D010EF77D65}" type="datetimeFigureOut">
               <a:rPr lang="zh-CN" altLang="en-US" smtClean="0"/>
-              <a:t>2018/11/6</a:t>
+              <a:t>2020-11-24</a:t>
             </a:fld>
             <a:endParaRPr lang="zh-CN" altLang="en-US"/>
           </a:p>
@@ -10619,7 +10938,7 @@
           <a:graphicData uri="http://schemas.openxmlformats.org/presentationml/2006/ole">
             <mc:AlternateContent xmlns:mc="http://schemas.openxmlformats.org/markup-compatibility/2006">
               <mc:Choice xmlns:v="urn:schemas-microsoft-com:vml" Requires="v">
-                <p:oleObj spid="_x0000_s3100" name="Visio" r:id="rId3" imgW="10954893" imgH="5543702" progId="Visio.Drawing.11">
+                <p:oleObj spid="_x0000_s3104" name="Visio" r:id="rId3" imgW="10954893" imgH="5543702" progId="Visio.Drawing.11">
                   <p:embed/>
                 </p:oleObj>
               </mc:Choice>
@@ -10756,7 +11075,7 @@
           <a:graphicData uri="http://schemas.openxmlformats.org/presentationml/2006/ole">
             <mc:AlternateContent xmlns:mc="http://schemas.openxmlformats.org/markup-compatibility/2006">
               <mc:Choice xmlns:v="urn:schemas-microsoft-com:vml" Requires="v">
-                <p:oleObj spid="_x0000_s4124" name="Visio" r:id="rId3" imgW="10972800" imgH="5543788" progId="Visio.Drawing.11">
+                <p:oleObj spid="_x0000_s4128" name="Visio" r:id="rId3" imgW="10972800" imgH="5543788" progId="Visio.Drawing.11">
                   <p:embed/>
                 </p:oleObj>
               </mc:Choice>
@@ -11067,7 +11386,7 @@
           <p:nvPr/>
         </p:nvPicPr>
         <p:blipFill>
-          <a:blip r:embed="rId2">
+          <a:blip r:embed="rId3">
             <a:extLst>
               <a:ext uri="{28A0092B-C50C-407E-A947-70E740481C1C}">
                 <a14:useLocalDpi xmlns:a14="http://schemas.microsoft.com/office/drawing/2010/main" val="0"/>
@@ -11081,7 +11400,7 @@
         </p:blipFill>
         <p:spPr bwMode="auto">
           <a:xfrm>
-            <a:off x="533400" y="1268760"/>
+            <a:off x="467544" y="1321818"/>
             <a:ext cx="8215064" cy="5347542"/>
           </a:xfrm>
           <a:prstGeom prst="rect">
@@ -11259,7 +11578,7 @@
           <p:nvPr/>
         </p:nvPicPr>
         <p:blipFill>
-          <a:blip r:embed="rId2">
+          <a:blip r:embed="rId3">
             <a:extLst>
               <a:ext uri="{28A0092B-C50C-407E-A947-70E740481C1C}">
                 <a14:useLocalDpi xmlns:a14="http://schemas.microsoft.com/office/drawing/2010/main" val="0"/>
@@ -15030,7 +15349,7 @@
           <a:graphicData uri="http://schemas.openxmlformats.org/presentationml/2006/ole">
             <mc:AlternateContent xmlns:mc="http://schemas.openxmlformats.org/markup-compatibility/2006">
               <mc:Choice xmlns:v="urn:schemas-microsoft-com:vml" Requires="v">
-                <p:oleObj spid="_x0000_s1052" name="Visio" r:id="rId3" imgW="5260848" imgH="4540910" progId="Visio.Drawing.11">
+                <p:oleObj spid="_x0000_s1056" name="Visio" r:id="rId3" imgW="5260848" imgH="4540910" progId="Visio.Drawing.11">
                   <p:embed/>
                 </p:oleObj>
               </mc:Choice>
@@ -15168,7 +15487,7 @@
           <a:graphicData uri="http://schemas.openxmlformats.org/presentationml/2006/ole">
             <mc:AlternateContent xmlns:mc="http://schemas.openxmlformats.org/markup-compatibility/2006">
               <mc:Choice xmlns:v="urn:schemas-microsoft-com:vml" Requires="v">
-                <p:oleObj spid="_x0000_s2076" name="Visio" r:id="rId3" imgW="12018264" imgH="5720080" progId="Visio.Drawing.11">
+                <p:oleObj spid="_x0000_s2080" name="Visio" r:id="rId3" imgW="12018264" imgH="5720080" progId="Visio.Drawing.11">
                   <p:embed/>
                 </p:oleObj>
               </mc:Choice>
